--- a/Презентация СИИ Практика (1).pptx
+++ b/Презентация СИИ Практика (1).pptx
@@ -7897,7 +7897,25 @@
                 <a:cs typeface="Times New Roman"/>
                 <a:sym typeface="Times New Roman"/>
               </a:rPr>
-              <a:t>Презентация по учебной практике</a:t>
+              <a:t>Презентация по </a:t>
+            </a:r>
+            <a:r>
+              <a:rPr lang="ru-RU">
+                <a:latin typeface="Times New Roman"/>
+                <a:ea typeface="Times New Roman"/>
+                <a:cs typeface="Times New Roman"/>
+                <a:sym typeface="Times New Roman"/>
+              </a:rPr>
+              <a:t>производственной</a:t>
+            </a:r>
+            <a:r>
+              <a:rPr b="0" i="0" lang="ru-RU" sz="1400" u="none" cap="none" strike="noStrike">
+                <a:latin typeface="Times New Roman"/>
+                <a:ea typeface="Times New Roman"/>
+                <a:cs typeface="Times New Roman"/>
+                <a:sym typeface="Times New Roman"/>
+              </a:rPr>
+              <a:t> практике</a:t>
             </a:r>
             <a:endParaRPr b="0" i="0" sz="1400" u="none" cap="none" strike="noStrike">
               <a:latin typeface="Arial"/>
